--- a/Space Shooter.pptx
+++ b/Space Shooter.pptx
@@ -12,10 +12,9 @@
     <p:sldId id="260" r:id="rId6"/>
     <p:sldId id="261" r:id="rId7"/>
     <p:sldId id="262" r:id="rId8"/>
-    <p:sldId id="263" r:id="rId9"/>
-    <p:sldId id="264" r:id="rId10"/>
-    <p:sldId id="265" r:id="rId11"/>
-    <p:sldId id="266" r:id="rId12"/>
+    <p:sldId id="264" r:id="rId9"/>
+    <p:sldId id="265" r:id="rId10"/>
+    <p:sldId id="266" r:id="rId11"/>
   </p:sldIdLst>
   <p:sldSz cx="12192000" cy="6858000"/>
   <p:notesSz cx="6858000" cy="9144000"/>
@@ -114,6 +113,11 @@
       </a:defRPr>
     </a:lvl9pPr>
   </p:defaultTextStyle>
+  <p:extLst>
+    <p:ext uri="{EFAFB233-063F-42B5-8137-9DF3F51BA10A}">
+      <p15:sldGuideLst xmlns:p15="http://schemas.microsoft.com/office/powerpoint/2012/main"/>
+    </p:ext>
+  </p:extLst>
 </p:presentation>
 </file>
 
@@ -264,7 +268,7 @@
           <a:p>
             <a:fld id="{3D9CDB44-8561-4AAB-A543-A8438D6B4118}" type="datetimeFigureOut">
               <a:rPr lang="ru-RU" smtClean="0"/>
-              <a:t>сб 23.12.2023</a:t>
+              <a:t>пн 08.01.2024</a:t>
             </a:fld>
             <a:endParaRPr lang="ru-RU"/>
           </a:p>
@@ -462,7 +466,7 @@
           <a:p>
             <a:fld id="{3D9CDB44-8561-4AAB-A543-A8438D6B4118}" type="datetimeFigureOut">
               <a:rPr lang="ru-RU" smtClean="0"/>
-              <a:t>сб 23.12.2023</a:t>
+              <a:t>пн 08.01.2024</a:t>
             </a:fld>
             <a:endParaRPr lang="ru-RU"/>
           </a:p>
@@ -670,7 +674,7 @@
           <a:p>
             <a:fld id="{3D9CDB44-8561-4AAB-A543-A8438D6B4118}" type="datetimeFigureOut">
               <a:rPr lang="ru-RU" smtClean="0"/>
-              <a:t>сб 23.12.2023</a:t>
+              <a:t>пн 08.01.2024</a:t>
             </a:fld>
             <a:endParaRPr lang="ru-RU"/>
           </a:p>
@@ -868,7 +872,7 @@
           <a:p>
             <a:fld id="{3D9CDB44-8561-4AAB-A543-A8438D6B4118}" type="datetimeFigureOut">
               <a:rPr lang="ru-RU" smtClean="0"/>
-              <a:t>сб 23.12.2023</a:t>
+              <a:t>пн 08.01.2024</a:t>
             </a:fld>
             <a:endParaRPr lang="ru-RU"/>
           </a:p>
@@ -1143,7 +1147,7 @@
           <a:p>
             <a:fld id="{3D9CDB44-8561-4AAB-A543-A8438D6B4118}" type="datetimeFigureOut">
               <a:rPr lang="ru-RU" smtClean="0"/>
-              <a:t>сб 23.12.2023</a:t>
+              <a:t>пн 08.01.2024</a:t>
             </a:fld>
             <a:endParaRPr lang="ru-RU"/>
           </a:p>
@@ -1408,7 +1412,7 @@
           <a:p>
             <a:fld id="{3D9CDB44-8561-4AAB-A543-A8438D6B4118}" type="datetimeFigureOut">
               <a:rPr lang="ru-RU" smtClean="0"/>
-              <a:t>сб 23.12.2023</a:t>
+              <a:t>пн 08.01.2024</a:t>
             </a:fld>
             <a:endParaRPr lang="ru-RU"/>
           </a:p>
@@ -1820,7 +1824,7 @@
           <a:p>
             <a:fld id="{3D9CDB44-8561-4AAB-A543-A8438D6B4118}" type="datetimeFigureOut">
               <a:rPr lang="ru-RU" smtClean="0"/>
-              <a:t>сб 23.12.2023</a:t>
+              <a:t>пн 08.01.2024</a:t>
             </a:fld>
             <a:endParaRPr lang="ru-RU"/>
           </a:p>
@@ -1961,7 +1965,7 @@
           <a:p>
             <a:fld id="{3D9CDB44-8561-4AAB-A543-A8438D6B4118}" type="datetimeFigureOut">
               <a:rPr lang="ru-RU" smtClean="0"/>
-              <a:t>сб 23.12.2023</a:t>
+              <a:t>пн 08.01.2024</a:t>
             </a:fld>
             <a:endParaRPr lang="ru-RU"/>
           </a:p>
@@ -2074,7 +2078,7 @@
           <a:p>
             <a:fld id="{3D9CDB44-8561-4AAB-A543-A8438D6B4118}" type="datetimeFigureOut">
               <a:rPr lang="ru-RU" smtClean="0"/>
-              <a:t>сб 23.12.2023</a:t>
+              <a:t>пн 08.01.2024</a:t>
             </a:fld>
             <a:endParaRPr lang="ru-RU"/>
           </a:p>
@@ -2385,7 +2389,7 @@
           <a:p>
             <a:fld id="{3D9CDB44-8561-4AAB-A543-A8438D6B4118}" type="datetimeFigureOut">
               <a:rPr lang="ru-RU" smtClean="0"/>
-              <a:t>сб 23.12.2023</a:t>
+              <a:t>пн 08.01.2024</a:t>
             </a:fld>
             <a:endParaRPr lang="ru-RU"/>
           </a:p>
@@ -2673,7 +2677,7 @@
           <a:p>
             <a:fld id="{3D9CDB44-8561-4AAB-A543-A8438D6B4118}" type="datetimeFigureOut">
               <a:rPr lang="ru-RU" smtClean="0"/>
-              <a:t>сб 23.12.2023</a:t>
+              <a:t>пн 08.01.2024</a:t>
             </a:fld>
             <a:endParaRPr lang="ru-RU"/>
           </a:p>
@@ -2914,7 +2918,7 @@
           <a:p>
             <a:fld id="{3D9CDB44-8561-4AAB-A543-A8438D6B4118}" type="datetimeFigureOut">
               <a:rPr lang="ru-RU" smtClean="0"/>
-              <a:t>сб 23.12.2023</a:t>
+              <a:t>пн 08.01.2024</a:t>
             </a:fld>
             <a:endParaRPr lang="ru-RU"/>
           </a:p>
@@ -3429,93 +3433,6 @@
           <p:cNvPr id="2" name="Заголовок 1">
             <a:extLst>
               <a:ext uri="{FF2B5EF4-FFF2-40B4-BE49-F238E27FC236}">
-                <a16:creationId xmlns:a16="http://schemas.microsoft.com/office/drawing/2014/main" id="{66A40437-8B86-42C6-BDAD-00FEC25A823A}"/>
-              </a:ext>
-            </a:extLst>
-          </p:cNvPr>
-          <p:cNvSpPr>
-            <a:spLocks noGrp="1"/>
-          </p:cNvSpPr>
-          <p:nvPr>
-            <p:ph type="title"/>
-          </p:nvPr>
-        </p:nvSpPr>
-        <p:spPr/>
-        <p:txBody>
-          <a:bodyPr/>
-          <a:lstStyle/>
-          <a:p>
-            <a:r>
-              <a:rPr lang="ru-RU" b="0" i="0" dirty="0">
-                <a:effectLst/>
-                <a:latin typeface="-apple-system"/>
-              </a:rPr>
-              <a:t>Несколько уровней</a:t>
-            </a:r>
-            <a:endParaRPr lang="ru-RU" dirty="0"/>
-          </a:p>
-        </p:txBody>
-      </p:sp>
-      <p:sp>
-        <p:nvSpPr>
-          <p:cNvPr id="3" name="Объект 2">
-            <a:extLst>
-              <a:ext uri="{FF2B5EF4-FFF2-40B4-BE49-F238E27FC236}">
-                <a16:creationId xmlns:a16="http://schemas.microsoft.com/office/drawing/2014/main" id="{FDE4F6EF-DA2A-489E-A98F-6A3847F8062E}"/>
-              </a:ext>
-            </a:extLst>
-          </p:cNvPr>
-          <p:cNvSpPr>
-            <a:spLocks noGrp="1"/>
-          </p:cNvSpPr>
-          <p:nvPr>
-            <p:ph idx="1"/>
-          </p:nvPr>
-        </p:nvSpPr>
-        <p:spPr/>
-        <p:txBody>
-          <a:bodyPr/>
-          <a:lstStyle/>
-          <a:p>
-            <a:endParaRPr lang="ru-RU"/>
-          </a:p>
-        </p:txBody>
-      </p:sp>
-    </p:spTree>
-    <p:extLst>
-      <p:ext uri="{BB962C8B-B14F-4D97-AF65-F5344CB8AC3E}">
-        <p14:creationId xmlns:p14="http://schemas.microsoft.com/office/powerpoint/2010/main" val="1198774512"/>
-      </p:ext>
-    </p:extLst>
-  </p:cSld>
-  <p:clrMapOvr>
-    <a:masterClrMapping/>
-  </p:clrMapOvr>
-</p:sld>
-</file>
-
-<file path=ppt/slides/slide11.xml><?xml version="1.0" encoding="utf-8"?>
-<p:sld xmlns:a="http://schemas.openxmlformats.org/drawingml/2006/main" xmlns:r="http://schemas.openxmlformats.org/officeDocument/2006/relationships" xmlns:p="http://schemas.openxmlformats.org/presentationml/2006/main">
-  <p:cSld>
-    <p:spTree>
-      <p:nvGrpSpPr>
-        <p:cNvPr id="1" name=""/>
-        <p:cNvGrpSpPr/>
-        <p:nvPr/>
-      </p:nvGrpSpPr>
-      <p:grpSpPr>
-        <a:xfrm>
-          <a:off x="0" y="0"/>
-          <a:ext cx="0" cy="0"/>
-          <a:chOff x="0" y="0"/>
-          <a:chExt cx="0" cy="0"/>
-        </a:xfrm>
-      </p:grpSpPr>
-      <p:sp>
-        <p:nvSpPr>
-          <p:cNvPr id="2" name="Заголовок 1">
-            <a:extLst>
-              <a:ext uri="{FF2B5EF4-FFF2-40B4-BE49-F238E27FC236}">
                 <a16:creationId xmlns:a16="http://schemas.microsoft.com/office/drawing/2014/main" id="{CA1F4935-95D0-4D76-8F4E-958CB693BF40}"/>
               </a:ext>
             </a:extLst>
@@ -3543,31 +3460,68 @@
           </a:p>
         </p:txBody>
       </p:sp>
-      <p:sp>
-        <p:nvSpPr>
-          <p:cNvPr id="3" name="Объект 2">
-            <a:extLst>
-              <a:ext uri="{FF2B5EF4-FFF2-40B4-BE49-F238E27FC236}">
-                <a16:creationId xmlns:a16="http://schemas.microsoft.com/office/drawing/2014/main" id="{68FB7FC1-84F7-4687-90EE-315E1A37EABB}"/>
-              </a:ext>
-            </a:extLst>
-          </p:cNvPr>
-          <p:cNvSpPr>
-            <a:spLocks noGrp="1"/>
-          </p:cNvSpPr>
+      <p:pic>
+        <p:nvPicPr>
+          <p:cNvPr id="4" name="Объект 3">
+            <a:extLst>
+              <a:ext uri="{FF2B5EF4-FFF2-40B4-BE49-F238E27FC236}">
+                <a16:creationId xmlns:a16="http://schemas.microsoft.com/office/drawing/2014/main" id="{7B10F324-D389-41D1-A12D-3C21B6F7CD50}"/>
+              </a:ext>
+            </a:extLst>
+          </p:cNvPr>
+          <p:cNvPicPr>
+            <a:picLocks noGrp="1" noChangeAspect="1"/>
+          </p:cNvPicPr>
           <p:nvPr>
             <p:ph idx="1"/>
           </p:nvPr>
-        </p:nvSpPr>
-        <p:spPr/>
-        <p:txBody>
-          <a:bodyPr/>
-          <a:lstStyle/>
-          <a:p>
-            <a:endParaRPr lang="ru-RU"/>
-          </a:p>
-        </p:txBody>
-      </p:sp>
+        </p:nvPicPr>
+        <p:blipFill>
+          <a:blip r:embed="rId2"/>
+          <a:stretch>
+            <a:fillRect/>
+          </a:stretch>
+        </p:blipFill>
+        <p:spPr>
+          <a:xfrm>
+            <a:off x="263916" y="3429000"/>
+            <a:ext cx="5973150" cy="3063875"/>
+          </a:xfrm>
+          <a:prstGeom prst="rect">
+            <a:avLst/>
+          </a:prstGeom>
+        </p:spPr>
+      </p:pic>
+      <p:pic>
+        <p:nvPicPr>
+          <p:cNvPr id="6" name="Рисунок 5">
+            <a:extLst>
+              <a:ext uri="{FF2B5EF4-FFF2-40B4-BE49-F238E27FC236}">
+                <a16:creationId xmlns:a16="http://schemas.microsoft.com/office/drawing/2014/main" id="{CA080A57-D6C7-4834-9BC2-67EF8F525648}"/>
+              </a:ext>
+            </a:extLst>
+          </p:cNvPr>
+          <p:cNvPicPr>
+            <a:picLocks noChangeAspect="1"/>
+          </p:cNvPicPr>
+          <p:nvPr/>
+        </p:nvPicPr>
+        <p:blipFill>
+          <a:blip r:embed="rId3"/>
+          <a:stretch>
+            <a:fillRect/>
+          </a:stretch>
+        </p:blipFill>
+        <p:spPr>
+          <a:xfrm>
+            <a:off x="6722361" y="3598224"/>
+            <a:ext cx="5253257" cy="2894652"/>
+          </a:xfrm>
+          <a:prstGeom prst="rect">
+            <a:avLst/>
+          </a:prstGeom>
+        </p:spPr>
+      </p:pic>
     </p:spTree>
     <p:extLst>
       <p:ext uri="{BB962C8B-B14F-4D97-AF65-F5344CB8AC3E}">
@@ -3626,28 +3580,243 @@
           </a:p>
         </p:txBody>
       </p:sp>
-      <p:sp>
-        <p:nvSpPr>
-          <p:cNvPr id="3" name="Объект 2">
-            <a:extLst>
-              <a:ext uri="{FF2B5EF4-FFF2-40B4-BE49-F238E27FC236}">
-                <a16:creationId xmlns:a16="http://schemas.microsoft.com/office/drawing/2014/main" id="{A3A48DE7-50D3-4346-8F60-77212417DB7D}"/>
-              </a:ext>
-            </a:extLst>
-          </p:cNvPr>
-          <p:cNvSpPr>
-            <a:spLocks noGrp="1"/>
-          </p:cNvSpPr>
+      <p:pic>
+        <p:nvPicPr>
+          <p:cNvPr id="6" name="Объект 5">
+            <a:extLst>
+              <a:ext uri="{FF2B5EF4-FFF2-40B4-BE49-F238E27FC236}">
+                <a16:creationId xmlns:a16="http://schemas.microsoft.com/office/drawing/2014/main" id="{C02635C2-0DB3-4FAF-8D87-CE929CF2E65E}"/>
+              </a:ext>
+            </a:extLst>
+          </p:cNvPr>
+          <p:cNvPicPr>
+            <a:picLocks noGrp="1" noChangeAspect="1"/>
+          </p:cNvPicPr>
           <p:nvPr>
             <p:ph idx="1"/>
           </p:nvPr>
-        </p:nvSpPr>
-        <p:spPr/>
-        <p:txBody>
-          <a:bodyPr/>
-          <a:lstStyle/>
-          <a:p>
-            <a:endParaRPr lang="ru-RU"/>
+        </p:nvPicPr>
+        <p:blipFill>
+          <a:blip r:embed="rId2"/>
+          <a:stretch>
+            <a:fillRect/>
+          </a:stretch>
+        </p:blipFill>
+        <p:spPr>
+          <a:xfrm>
+            <a:off x="237444" y="4633155"/>
+            <a:ext cx="4525056" cy="2128420"/>
+          </a:xfrm>
+          <a:prstGeom prst="rect">
+            <a:avLst/>
+          </a:prstGeom>
+        </p:spPr>
+      </p:pic>
+      <p:pic>
+        <p:nvPicPr>
+          <p:cNvPr id="4" name="Рисунок 3">
+            <a:extLst>
+              <a:ext uri="{FF2B5EF4-FFF2-40B4-BE49-F238E27FC236}">
+                <a16:creationId xmlns:a16="http://schemas.microsoft.com/office/drawing/2014/main" id="{4A76AABB-B80D-4395-AE34-E49FE00FECF2}"/>
+              </a:ext>
+            </a:extLst>
+          </p:cNvPr>
+          <p:cNvPicPr>
+            <a:picLocks noChangeAspect="1"/>
+          </p:cNvPicPr>
+          <p:nvPr/>
+        </p:nvPicPr>
+        <p:blipFill>
+          <a:blip r:embed="rId3"/>
+          <a:stretch>
+            <a:fillRect/>
+          </a:stretch>
+        </p:blipFill>
+        <p:spPr>
+          <a:xfrm>
+            <a:off x="0" y="1374940"/>
+            <a:ext cx="4762500" cy="2943225"/>
+          </a:xfrm>
+          <a:prstGeom prst="rect">
+            <a:avLst/>
+          </a:prstGeom>
+        </p:spPr>
+      </p:pic>
+      <p:pic>
+        <p:nvPicPr>
+          <p:cNvPr id="5" name="Рисунок 4">
+            <a:extLst>
+              <a:ext uri="{FF2B5EF4-FFF2-40B4-BE49-F238E27FC236}">
+                <a16:creationId xmlns:a16="http://schemas.microsoft.com/office/drawing/2014/main" id="{E5C5FBB5-499C-4092-8737-BD6B4D4AF251}"/>
+              </a:ext>
+            </a:extLst>
+          </p:cNvPr>
+          <p:cNvPicPr>
+            <a:picLocks noChangeAspect="1"/>
+          </p:cNvPicPr>
+          <p:nvPr/>
+        </p:nvPicPr>
+        <p:blipFill>
+          <a:blip r:embed="rId4"/>
+          <a:stretch>
+            <a:fillRect/>
+          </a:stretch>
+        </p:blipFill>
+        <p:spPr>
+          <a:xfrm>
+            <a:off x="4837897" y="1200397"/>
+            <a:ext cx="3371850" cy="2562225"/>
+          </a:xfrm>
+          <a:prstGeom prst="rect">
+            <a:avLst/>
+          </a:prstGeom>
+        </p:spPr>
+      </p:pic>
+      <p:pic>
+        <p:nvPicPr>
+          <p:cNvPr id="7" name="Рисунок 6">
+            <a:extLst>
+              <a:ext uri="{FF2B5EF4-FFF2-40B4-BE49-F238E27FC236}">
+                <a16:creationId xmlns:a16="http://schemas.microsoft.com/office/drawing/2014/main" id="{77423994-60A6-4AB1-8938-8FACF3931C41}"/>
+              </a:ext>
+            </a:extLst>
+          </p:cNvPr>
+          <p:cNvPicPr>
+            <a:picLocks noChangeAspect="1"/>
+          </p:cNvPicPr>
+          <p:nvPr/>
+        </p:nvPicPr>
+        <p:blipFill>
+          <a:blip r:embed="rId5"/>
+          <a:stretch>
+            <a:fillRect/>
+          </a:stretch>
+        </p:blipFill>
+        <p:spPr>
+          <a:xfrm>
+            <a:off x="4837897" y="3888707"/>
+            <a:ext cx="3532759" cy="1439272"/>
+          </a:xfrm>
+          <a:prstGeom prst="rect">
+            <a:avLst/>
+          </a:prstGeom>
+        </p:spPr>
+      </p:pic>
+      <p:pic>
+        <p:nvPicPr>
+          <p:cNvPr id="8" name="Рисунок 7">
+            <a:extLst>
+              <a:ext uri="{FF2B5EF4-FFF2-40B4-BE49-F238E27FC236}">
+                <a16:creationId xmlns:a16="http://schemas.microsoft.com/office/drawing/2014/main" id="{0CAD2C0A-B104-4479-8074-610CD237E962}"/>
+              </a:ext>
+            </a:extLst>
+          </p:cNvPr>
+          <p:cNvPicPr>
+            <a:picLocks noChangeAspect="1"/>
+          </p:cNvPicPr>
+          <p:nvPr/>
+        </p:nvPicPr>
+        <p:blipFill>
+          <a:blip r:embed="rId6"/>
+          <a:stretch>
+            <a:fillRect/>
+          </a:stretch>
+        </p:blipFill>
+        <p:spPr>
+          <a:xfrm>
+            <a:off x="8285144" y="1293977"/>
+            <a:ext cx="5229225" cy="3105150"/>
+          </a:xfrm>
+          <a:prstGeom prst="rect">
+            <a:avLst/>
+          </a:prstGeom>
+        </p:spPr>
+      </p:pic>
+      <p:pic>
+        <p:nvPicPr>
+          <p:cNvPr id="9" name="Рисунок 8">
+            <a:extLst>
+              <a:ext uri="{FF2B5EF4-FFF2-40B4-BE49-F238E27FC236}">
+                <a16:creationId xmlns:a16="http://schemas.microsoft.com/office/drawing/2014/main" id="{368BCAFE-0624-4769-A26E-43067283DAF1}"/>
+              </a:ext>
+            </a:extLst>
+          </p:cNvPr>
+          <p:cNvPicPr>
+            <a:picLocks noChangeAspect="1"/>
+          </p:cNvPicPr>
+          <p:nvPr/>
+        </p:nvPicPr>
+        <p:blipFill>
+          <a:blip r:embed="rId7"/>
+          <a:stretch>
+            <a:fillRect/>
+          </a:stretch>
+        </p:blipFill>
+        <p:spPr>
+          <a:xfrm>
+            <a:off x="7772649" y="5454064"/>
+            <a:ext cx="4162425" cy="1200150"/>
+          </a:xfrm>
+          <a:prstGeom prst="rect">
+            <a:avLst/>
+          </a:prstGeom>
+        </p:spPr>
+      </p:pic>
+      <p:sp>
+        <p:nvSpPr>
+          <p:cNvPr id="10" name="Знак ''плюс'' 9">
+            <a:extLst>
+              <a:ext uri="{FF2B5EF4-FFF2-40B4-BE49-F238E27FC236}">
+                <a16:creationId xmlns:a16="http://schemas.microsoft.com/office/drawing/2014/main" id="{ED0B2464-8775-4CE4-9CAE-93F73E2B6F58}"/>
+              </a:ext>
+            </a:extLst>
+          </p:cNvPr>
+          <p:cNvSpPr/>
+          <p:nvPr/>
+        </p:nvSpPr>
+        <p:spPr>
+          <a:xfrm>
+            <a:off x="9853861" y="4457446"/>
+            <a:ext cx="985652" cy="870533"/>
+          </a:xfrm>
+          <a:prstGeom prst="mathPlus">
+            <a:avLst/>
+          </a:prstGeom>
+        </p:spPr>
+        <p:style>
+          <a:lnRef idx="2">
+            <a:schemeClr val="dk1">
+              <a:shade val="50000"/>
+            </a:schemeClr>
+          </a:lnRef>
+          <a:fillRef idx="1">
+            <a:schemeClr val="dk1"/>
+          </a:fillRef>
+          <a:effectRef idx="0">
+            <a:schemeClr val="dk1"/>
+          </a:effectRef>
+          <a:fontRef idx="minor">
+            <a:schemeClr val="lt1"/>
+          </a:fontRef>
+        </p:style>
+        <p:txBody>
+          <a:bodyPr rtlCol="0" anchor="ctr"/>
+          <a:lstStyle/>
+          <a:p>
+            <a:pPr algn="ctr"/>
+            <a:endParaRPr lang="ru-RU">
+              <a:ln w="0"/>
+              <a:solidFill>
+                <a:schemeClr val="tx1"/>
+              </a:solidFill>
+              <a:effectLst>
+                <a:outerShdw blurRad="38100" dist="19050" dir="2700000" algn="tl" rotWithShape="0">
+                  <a:schemeClr val="dk1">
+                    <a:alpha val="40000"/>
+                  </a:schemeClr>
+                </a:outerShdw>
+              </a:effectLst>
+            </a:endParaRPr>
           </a:p>
         </p:txBody>
       </p:sp>
@@ -3784,7 +3953,12 @@
             <p:ph type="title"/>
           </p:nvPr>
         </p:nvSpPr>
-        <p:spPr/>
+        <p:spPr>
+          <a:xfrm>
+            <a:off x="605642" y="365125"/>
+            <a:ext cx="2660072" cy="2283072"/>
+          </a:xfrm>
+        </p:spPr>
         <p:txBody>
           <a:bodyPr/>
           <a:lstStyle/>
@@ -3800,31 +3974,38 @@
           </a:p>
         </p:txBody>
       </p:sp>
-      <p:sp>
-        <p:nvSpPr>
-          <p:cNvPr id="3" name="Объект 2">
-            <a:extLst>
-              <a:ext uri="{FF2B5EF4-FFF2-40B4-BE49-F238E27FC236}">
-                <a16:creationId xmlns:a16="http://schemas.microsoft.com/office/drawing/2014/main" id="{F4F1211D-C423-4D28-A697-5EDF7FA57ABF}"/>
-              </a:ext>
-            </a:extLst>
-          </p:cNvPr>
-          <p:cNvSpPr>
-            <a:spLocks noGrp="1"/>
-          </p:cNvSpPr>
+      <p:pic>
+        <p:nvPicPr>
+          <p:cNvPr id="4" name="Объект 3">
+            <a:extLst>
+              <a:ext uri="{FF2B5EF4-FFF2-40B4-BE49-F238E27FC236}">
+                <a16:creationId xmlns:a16="http://schemas.microsoft.com/office/drawing/2014/main" id="{7B0B2196-5037-4DF5-B910-FFFEE78D23BA}"/>
+              </a:ext>
+            </a:extLst>
+          </p:cNvPr>
+          <p:cNvPicPr>
+            <a:picLocks noGrp="1" noChangeAspect="1"/>
+          </p:cNvPicPr>
           <p:nvPr>
             <p:ph idx="1"/>
           </p:nvPr>
-        </p:nvSpPr>
-        <p:spPr/>
-        <p:txBody>
-          <a:bodyPr/>
-          <a:lstStyle/>
-          <a:p>
-            <a:endParaRPr lang="ru-RU"/>
-          </a:p>
-        </p:txBody>
-      </p:sp>
+        </p:nvPicPr>
+        <p:blipFill>
+          <a:blip r:embed="rId2"/>
+          <a:stretch>
+            <a:fillRect/>
+          </a:stretch>
+        </p:blipFill>
+        <p:spPr>
+          <a:xfrm>
+            <a:off x="3562461" y="-22816"/>
+            <a:ext cx="8629539" cy="6903632"/>
+          </a:xfrm>
+          <a:prstGeom prst="rect">
+            <a:avLst/>
+          </a:prstGeom>
+        </p:spPr>
+      </p:pic>
     </p:spTree>
     <p:extLst>
       <p:ext uri="{BB962C8B-B14F-4D97-AF65-F5344CB8AC3E}">
@@ -3871,7 +4052,12 @@
             <p:ph type="title"/>
           </p:nvPr>
         </p:nvSpPr>
-        <p:spPr/>
+        <p:spPr>
+          <a:xfrm>
+            <a:off x="320634" y="365125"/>
+            <a:ext cx="2921330" cy="4598761"/>
+          </a:xfrm>
+        </p:spPr>
         <p:txBody>
           <a:bodyPr/>
           <a:lstStyle/>
@@ -3887,31 +4073,38 @@
           </a:p>
         </p:txBody>
       </p:sp>
-      <p:sp>
-        <p:nvSpPr>
-          <p:cNvPr id="3" name="Объект 2">
-            <a:extLst>
-              <a:ext uri="{FF2B5EF4-FFF2-40B4-BE49-F238E27FC236}">
-                <a16:creationId xmlns:a16="http://schemas.microsoft.com/office/drawing/2014/main" id="{768C31AF-9C63-49EB-B4D7-6C5003E7EE32}"/>
-              </a:ext>
-            </a:extLst>
-          </p:cNvPr>
-          <p:cNvSpPr>
-            <a:spLocks noGrp="1"/>
-          </p:cNvSpPr>
+      <p:pic>
+        <p:nvPicPr>
+          <p:cNvPr id="4" name="Объект 3">
+            <a:extLst>
+              <a:ext uri="{FF2B5EF4-FFF2-40B4-BE49-F238E27FC236}">
+                <a16:creationId xmlns:a16="http://schemas.microsoft.com/office/drawing/2014/main" id="{E57E498B-3F06-49E2-820A-1A1EC75E4C77}"/>
+              </a:ext>
+            </a:extLst>
+          </p:cNvPr>
+          <p:cNvPicPr>
+            <a:picLocks noGrp="1" noChangeAspect="1"/>
+          </p:cNvPicPr>
           <p:nvPr>
             <p:ph idx="1"/>
           </p:nvPr>
-        </p:nvSpPr>
-        <p:spPr/>
-        <p:txBody>
-          <a:bodyPr/>
-          <a:lstStyle/>
-          <a:p>
-            <a:endParaRPr lang="ru-RU"/>
-          </a:p>
-        </p:txBody>
-      </p:sp>
+        </p:nvPicPr>
+        <p:blipFill>
+          <a:blip r:embed="rId2"/>
+          <a:stretch>
+            <a:fillRect/>
+          </a:stretch>
+        </p:blipFill>
+        <p:spPr>
+          <a:xfrm>
+            <a:off x="3557317" y="0"/>
+            <a:ext cx="8634683" cy="6907747"/>
+          </a:xfrm>
+          <a:prstGeom prst="rect">
+            <a:avLst/>
+          </a:prstGeom>
+        </p:spPr>
+      </p:pic>
     </p:spTree>
     <p:extLst>
       <p:ext uri="{BB962C8B-B14F-4D97-AF65-F5344CB8AC3E}">
@@ -3974,31 +4167,176 @@
           </a:p>
         </p:txBody>
       </p:sp>
-      <p:sp>
-        <p:nvSpPr>
-          <p:cNvPr id="3" name="Объект 2">
-            <a:extLst>
-              <a:ext uri="{FF2B5EF4-FFF2-40B4-BE49-F238E27FC236}">
-                <a16:creationId xmlns:a16="http://schemas.microsoft.com/office/drawing/2014/main" id="{C35C8CD8-5FB4-45AB-869F-A98E96DF11E1}"/>
-              </a:ext>
-            </a:extLst>
-          </p:cNvPr>
-          <p:cNvSpPr>
-            <a:spLocks noGrp="1"/>
-          </p:cNvSpPr>
+      <p:pic>
+        <p:nvPicPr>
+          <p:cNvPr id="4" name="Объект 3">
+            <a:extLst>
+              <a:ext uri="{FF2B5EF4-FFF2-40B4-BE49-F238E27FC236}">
+                <a16:creationId xmlns:a16="http://schemas.microsoft.com/office/drawing/2014/main" id="{7335ECA4-9500-4284-A467-9099EA43841F}"/>
+              </a:ext>
+            </a:extLst>
+          </p:cNvPr>
+          <p:cNvPicPr>
+            <a:picLocks noGrp="1" noChangeAspect="1"/>
+          </p:cNvPicPr>
           <p:nvPr>
             <p:ph idx="1"/>
           </p:nvPr>
-        </p:nvSpPr>
-        <p:spPr/>
-        <p:txBody>
-          <a:bodyPr/>
-          <a:lstStyle/>
-          <a:p>
-            <a:endParaRPr lang="ru-RU"/>
-          </a:p>
-        </p:txBody>
-      </p:sp>
+        </p:nvPicPr>
+        <p:blipFill>
+          <a:blip r:embed="rId2"/>
+          <a:stretch>
+            <a:fillRect/>
+          </a:stretch>
+        </p:blipFill>
+        <p:spPr>
+          <a:xfrm>
+            <a:off x="164091" y="2827511"/>
+            <a:ext cx="3921022" cy="2883337"/>
+          </a:xfrm>
+          <a:prstGeom prst="rect">
+            <a:avLst/>
+          </a:prstGeom>
+        </p:spPr>
+      </p:pic>
+      <p:pic>
+        <p:nvPicPr>
+          <p:cNvPr id="5" name="Рисунок 4">
+            <a:extLst>
+              <a:ext uri="{FF2B5EF4-FFF2-40B4-BE49-F238E27FC236}">
+                <a16:creationId xmlns:a16="http://schemas.microsoft.com/office/drawing/2014/main" id="{34E48B64-FD30-4691-9244-F6E186648C14}"/>
+              </a:ext>
+            </a:extLst>
+          </p:cNvPr>
+          <p:cNvPicPr>
+            <a:picLocks noChangeAspect="1"/>
+          </p:cNvPicPr>
+          <p:nvPr/>
+        </p:nvPicPr>
+        <p:blipFill>
+          <a:blip r:embed="rId3"/>
+          <a:stretch>
+            <a:fillRect/>
+          </a:stretch>
+        </p:blipFill>
+        <p:spPr>
+          <a:xfrm>
+            <a:off x="5120244" y="2827512"/>
+            <a:ext cx="3371860" cy="3062650"/>
+          </a:xfrm>
+          <a:prstGeom prst="rect">
+            <a:avLst/>
+          </a:prstGeom>
+        </p:spPr>
+      </p:pic>
+      <p:pic>
+        <p:nvPicPr>
+          <p:cNvPr id="6" name="Рисунок 5">
+            <a:extLst>
+              <a:ext uri="{FF2B5EF4-FFF2-40B4-BE49-F238E27FC236}">
+                <a16:creationId xmlns:a16="http://schemas.microsoft.com/office/drawing/2014/main" id="{A1D86D23-3D61-4BA4-BD5F-9348C3A5835C}"/>
+              </a:ext>
+            </a:extLst>
+          </p:cNvPr>
+          <p:cNvPicPr>
+            <a:picLocks noChangeAspect="1"/>
+          </p:cNvPicPr>
+          <p:nvPr/>
+        </p:nvPicPr>
+        <p:blipFill>
+          <a:blip r:embed="rId4"/>
+          <a:stretch>
+            <a:fillRect/>
+          </a:stretch>
+        </p:blipFill>
+        <p:spPr>
+          <a:xfrm>
+            <a:off x="7338950" y="365125"/>
+            <a:ext cx="4278827" cy="2242238"/>
+          </a:xfrm>
+          <a:prstGeom prst="rect">
+            <a:avLst/>
+          </a:prstGeom>
+        </p:spPr>
+      </p:pic>
+      <p:cxnSp>
+        <p:nvCxnSpPr>
+          <p:cNvPr id="8" name="Прямая со стрелкой 7">
+            <a:extLst>
+              <a:ext uri="{FF2B5EF4-FFF2-40B4-BE49-F238E27FC236}">
+                <a16:creationId xmlns:a16="http://schemas.microsoft.com/office/drawing/2014/main" id="{C31E8819-6A64-4E4A-B6BE-C6043756D2F8}"/>
+              </a:ext>
+            </a:extLst>
+          </p:cNvPr>
+          <p:cNvCxnSpPr/>
+          <p:nvPr/>
+        </p:nvCxnSpPr>
+        <p:spPr>
+          <a:xfrm>
+            <a:off x="4213277" y="4153075"/>
+            <a:ext cx="703107" cy="240795"/>
+          </a:xfrm>
+          <a:prstGeom prst="straightConnector1">
+            <a:avLst/>
+          </a:prstGeom>
+          <a:ln>
+            <a:tailEnd type="triangle"/>
+          </a:ln>
+        </p:spPr>
+        <p:style>
+          <a:lnRef idx="1">
+            <a:schemeClr val="dk1"/>
+          </a:lnRef>
+          <a:fillRef idx="0">
+            <a:schemeClr val="dk1"/>
+          </a:fillRef>
+          <a:effectRef idx="0">
+            <a:schemeClr val="dk1"/>
+          </a:effectRef>
+          <a:fontRef idx="minor">
+            <a:schemeClr val="tx1"/>
+          </a:fontRef>
+        </p:style>
+      </p:cxnSp>
+      <p:cxnSp>
+        <p:nvCxnSpPr>
+          <p:cNvPr id="10" name="Прямая со стрелкой 9">
+            <a:extLst>
+              <a:ext uri="{FF2B5EF4-FFF2-40B4-BE49-F238E27FC236}">
+                <a16:creationId xmlns:a16="http://schemas.microsoft.com/office/drawing/2014/main" id="{3BCA10C6-E9CB-46D7-83A7-AE4337ACBB77}"/>
+              </a:ext>
+            </a:extLst>
+          </p:cNvPr>
+          <p:cNvCxnSpPr/>
+          <p:nvPr/>
+        </p:nvCxnSpPr>
+        <p:spPr>
+          <a:xfrm flipV="1">
+            <a:off x="8692738" y="2827511"/>
+            <a:ext cx="712519" cy="1791990"/>
+          </a:xfrm>
+          <a:prstGeom prst="straightConnector1">
+            <a:avLst/>
+          </a:prstGeom>
+          <a:ln>
+            <a:tailEnd type="triangle"/>
+          </a:ln>
+        </p:spPr>
+        <p:style>
+          <a:lnRef idx="1">
+            <a:schemeClr val="dk1"/>
+          </a:lnRef>
+          <a:fillRef idx="0">
+            <a:schemeClr val="dk1"/>
+          </a:fillRef>
+          <a:effectRef idx="0">
+            <a:schemeClr val="dk1"/>
+          </a:effectRef>
+          <a:fontRef idx="minor">
+            <a:schemeClr val="tx1"/>
+          </a:fontRef>
+        </p:style>
+      </p:cxnSp>
     </p:spTree>
     <p:extLst>
       <p:ext uri="{BB962C8B-B14F-4D97-AF65-F5344CB8AC3E}">
@@ -4045,7 +4383,12 @@
             <p:ph type="title"/>
           </p:nvPr>
         </p:nvSpPr>
-        <p:spPr/>
+        <p:spPr>
+          <a:xfrm>
+            <a:off x="838200" y="365125"/>
+            <a:ext cx="2380013" cy="2340087"/>
+          </a:xfrm>
+        </p:spPr>
         <p:txBody>
           <a:bodyPr/>
           <a:lstStyle/>
@@ -4057,35 +4400,139 @@
               </a:rPr>
               <a:t>Спрайты</a:t>
             </a:r>
+            <a:r>
+              <a:rPr lang="en-US" b="0" i="0" dirty="0">
+                <a:effectLst/>
+                <a:latin typeface="-apple-system"/>
+              </a:rPr>
+              <a:t> + collide</a:t>
+            </a:r>
             <a:endParaRPr lang="ru-RU" dirty="0"/>
           </a:p>
         </p:txBody>
       </p:sp>
-      <p:sp>
-        <p:nvSpPr>
-          <p:cNvPr id="3" name="Объект 2">
-            <a:extLst>
-              <a:ext uri="{FF2B5EF4-FFF2-40B4-BE49-F238E27FC236}">
-                <a16:creationId xmlns:a16="http://schemas.microsoft.com/office/drawing/2014/main" id="{5FA733B4-C2D9-4FCD-98EB-E3048861D6E2}"/>
-              </a:ext>
-            </a:extLst>
-          </p:cNvPr>
-          <p:cNvSpPr>
-            <a:spLocks noGrp="1"/>
-          </p:cNvSpPr>
+      <p:pic>
+        <p:nvPicPr>
+          <p:cNvPr id="4" name="Объект 3">
+            <a:extLst>
+              <a:ext uri="{FF2B5EF4-FFF2-40B4-BE49-F238E27FC236}">
+                <a16:creationId xmlns:a16="http://schemas.microsoft.com/office/drawing/2014/main" id="{BE369C85-1118-4492-AFA9-2302FFF07133}"/>
+              </a:ext>
+            </a:extLst>
+          </p:cNvPr>
+          <p:cNvPicPr>
+            <a:picLocks noGrp="1" noChangeAspect="1"/>
+          </p:cNvPicPr>
           <p:nvPr>
             <p:ph idx="1"/>
           </p:nvPr>
-        </p:nvSpPr>
-        <p:spPr/>
-        <p:txBody>
-          <a:bodyPr/>
-          <a:lstStyle/>
-          <a:p>
-            <a:endParaRPr lang="ru-RU"/>
-          </a:p>
-        </p:txBody>
-      </p:sp>
+        </p:nvPicPr>
+        <p:blipFill>
+          <a:blip r:embed="rId2"/>
+          <a:stretch>
+            <a:fillRect/>
+          </a:stretch>
+        </p:blipFill>
+        <p:spPr>
+          <a:xfrm>
+            <a:off x="525230" y="4663970"/>
+            <a:ext cx="4382433" cy="1634826"/>
+          </a:xfrm>
+          <a:prstGeom prst="rect">
+            <a:avLst/>
+          </a:prstGeom>
+        </p:spPr>
+      </p:pic>
+      <p:pic>
+        <p:nvPicPr>
+          <p:cNvPr id="5" name="Рисунок 4">
+            <a:extLst>
+              <a:ext uri="{FF2B5EF4-FFF2-40B4-BE49-F238E27FC236}">
+                <a16:creationId xmlns:a16="http://schemas.microsoft.com/office/drawing/2014/main" id="{B32A60D8-B771-419B-A31F-47314BF92FFE}"/>
+              </a:ext>
+            </a:extLst>
+          </p:cNvPr>
+          <p:cNvPicPr>
+            <a:picLocks noChangeAspect="1"/>
+          </p:cNvPicPr>
+          <p:nvPr/>
+        </p:nvPicPr>
+        <p:blipFill>
+          <a:blip r:embed="rId3"/>
+          <a:stretch>
+            <a:fillRect/>
+          </a:stretch>
+        </p:blipFill>
+        <p:spPr>
+          <a:xfrm>
+            <a:off x="8034784" y="2802577"/>
+            <a:ext cx="3631986" cy="3722786"/>
+          </a:xfrm>
+          <a:prstGeom prst="rect">
+            <a:avLst/>
+          </a:prstGeom>
+        </p:spPr>
+      </p:pic>
+      <p:pic>
+        <p:nvPicPr>
+          <p:cNvPr id="6" name="Рисунок 5">
+            <a:extLst>
+              <a:ext uri="{FF2B5EF4-FFF2-40B4-BE49-F238E27FC236}">
+                <a16:creationId xmlns:a16="http://schemas.microsoft.com/office/drawing/2014/main" id="{8D8C47BF-C2B7-4AD2-A82A-92AD6E286284}"/>
+              </a:ext>
+            </a:extLst>
+          </p:cNvPr>
+          <p:cNvPicPr>
+            <a:picLocks noChangeAspect="1"/>
+          </p:cNvPicPr>
+          <p:nvPr/>
+        </p:nvPicPr>
+        <p:blipFill>
+          <a:blip r:embed="rId4"/>
+          <a:stretch>
+            <a:fillRect/>
+          </a:stretch>
+        </p:blipFill>
+        <p:spPr>
+          <a:xfrm>
+            <a:off x="525230" y="2958809"/>
+            <a:ext cx="6837273" cy="1451564"/>
+          </a:xfrm>
+          <a:prstGeom prst="rect">
+            <a:avLst/>
+          </a:prstGeom>
+        </p:spPr>
+      </p:pic>
+      <p:pic>
+        <p:nvPicPr>
+          <p:cNvPr id="7" name="Рисунок 6">
+            <a:extLst>
+              <a:ext uri="{FF2B5EF4-FFF2-40B4-BE49-F238E27FC236}">
+                <a16:creationId xmlns:a16="http://schemas.microsoft.com/office/drawing/2014/main" id="{9A33EAB6-337C-42E5-85E1-38FB659C596A}"/>
+              </a:ext>
+            </a:extLst>
+          </p:cNvPr>
+          <p:cNvPicPr>
+            <a:picLocks noChangeAspect="1"/>
+          </p:cNvPicPr>
+          <p:nvPr/>
+        </p:nvPicPr>
+        <p:blipFill>
+          <a:blip r:embed="rId5"/>
+          <a:stretch>
+            <a:fillRect/>
+          </a:stretch>
+        </p:blipFill>
+        <p:spPr>
+          <a:xfrm>
+            <a:off x="3868952" y="936185"/>
+            <a:ext cx="7597548" cy="1451564"/>
+          </a:xfrm>
+          <a:prstGeom prst="rect">
+            <a:avLst/>
+          </a:prstGeom>
+        </p:spPr>
+      </p:pic>
     </p:spTree>
     <p:extLst>
       <p:ext uri="{BB962C8B-B14F-4D97-AF65-F5344CB8AC3E}">
@@ -4121,7 +4568,7 @@
           <p:cNvPr id="2" name="Заголовок 1">
             <a:extLst>
               <a:ext uri="{FF2B5EF4-FFF2-40B4-BE49-F238E27FC236}">
-                <a16:creationId xmlns:a16="http://schemas.microsoft.com/office/drawing/2014/main" id="{4B9C9D7A-8630-45D4-A2D1-53A8D32C2216}"/>
+                <a16:creationId xmlns:a16="http://schemas.microsoft.com/office/drawing/2014/main" id="{F7CFCB69-317E-4651-B37B-6E67BCEA3C5E}"/>
               </a:ext>
             </a:extLst>
           </p:cNvPr>
@@ -4138,45 +4585,52 @@
           <a:lstStyle/>
           <a:p>
             <a:r>
-              <a:rPr lang="en-US" b="0" i="0" dirty="0">
+              <a:rPr lang="ru-RU" b="0" i="0" dirty="0">
                 <a:effectLst/>
                 <a:latin typeface="-apple-system"/>
               </a:rPr>
-              <a:t>collide</a:t>
+              <a:t>Анимация</a:t>
             </a:r>
             <a:endParaRPr lang="ru-RU" dirty="0"/>
           </a:p>
         </p:txBody>
       </p:sp>
-      <p:sp>
-        <p:nvSpPr>
-          <p:cNvPr id="3" name="Объект 2">
-            <a:extLst>
-              <a:ext uri="{FF2B5EF4-FFF2-40B4-BE49-F238E27FC236}">
-                <a16:creationId xmlns:a16="http://schemas.microsoft.com/office/drawing/2014/main" id="{D065A5DD-CBB7-45F6-B830-29EE200B0A5B}"/>
-              </a:ext>
-            </a:extLst>
-          </p:cNvPr>
-          <p:cNvSpPr>
-            <a:spLocks noGrp="1"/>
-          </p:cNvSpPr>
+      <p:pic>
+        <p:nvPicPr>
+          <p:cNvPr id="4" name="Объект 3">
+            <a:extLst>
+              <a:ext uri="{FF2B5EF4-FFF2-40B4-BE49-F238E27FC236}">
+                <a16:creationId xmlns:a16="http://schemas.microsoft.com/office/drawing/2014/main" id="{4E87FF0E-2EF7-4225-BC34-DC043847B021}"/>
+              </a:ext>
+            </a:extLst>
+          </p:cNvPr>
+          <p:cNvPicPr>
+            <a:picLocks noGrp="1" noChangeAspect="1"/>
+          </p:cNvPicPr>
           <p:nvPr>
             <p:ph idx="1"/>
           </p:nvPr>
-        </p:nvSpPr>
-        <p:spPr/>
-        <p:txBody>
-          <a:bodyPr/>
-          <a:lstStyle/>
-          <a:p>
-            <a:endParaRPr lang="ru-RU"/>
-          </a:p>
-        </p:txBody>
-      </p:sp>
+        </p:nvPicPr>
+        <p:blipFill>
+          <a:blip r:embed="rId2"/>
+          <a:stretch>
+            <a:fillRect/>
+          </a:stretch>
+        </p:blipFill>
+        <p:spPr>
+          <a:xfrm>
+            <a:off x="686294" y="2018806"/>
+            <a:ext cx="6194432" cy="4252716"/>
+          </a:xfrm>
+          <a:prstGeom prst="rect">
+            <a:avLst/>
+          </a:prstGeom>
+        </p:spPr>
+      </p:pic>
     </p:spTree>
     <p:extLst>
       <p:ext uri="{BB962C8B-B14F-4D97-AF65-F5344CB8AC3E}">
-        <p14:creationId xmlns:p14="http://schemas.microsoft.com/office/powerpoint/2010/main" val="2109127456"/>
+        <p14:creationId xmlns:p14="http://schemas.microsoft.com/office/powerpoint/2010/main" val="3882271461"/>
       </p:ext>
     </p:extLst>
   </p:cSld>
@@ -4208,7 +4662,7 @@
           <p:cNvPr id="2" name="Заголовок 1">
             <a:extLst>
               <a:ext uri="{FF2B5EF4-FFF2-40B4-BE49-F238E27FC236}">
-                <a16:creationId xmlns:a16="http://schemas.microsoft.com/office/drawing/2014/main" id="{F7CFCB69-317E-4651-B37B-6E67BCEA3C5E}"/>
+                <a16:creationId xmlns:a16="http://schemas.microsoft.com/office/drawing/2014/main" id="{66A40437-8B86-42C6-BDAD-00FEC25A823A}"/>
               </a:ext>
             </a:extLst>
           </p:cNvPr>
@@ -4229,41 +4683,48 @@
                 <a:effectLst/>
                 <a:latin typeface="-apple-system"/>
               </a:rPr>
-              <a:t>Анимация</a:t>
+              <a:t>Несколько уровней</a:t>
             </a:r>
             <a:endParaRPr lang="ru-RU" dirty="0"/>
           </a:p>
         </p:txBody>
       </p:sp>
-      <p:sp>
-        <p:nvSpPr>
-          <p:cNvPr id="3" name="Объект 2">
-            <a:extLst>
-              <a:ext uri="{FF2B5EF4-FFF2-40B4-BE49-F238E27FC236}">
-                <a16:creationId xmlns:a16="http://schemas.microsoft.com/office/drawing/2014/main" id="{F899717A-AA03-4A79-A4D0-608FA3AB8249}"/>
-              </a:ext>
-            </a:extLst>
-          </p:cNvPr>
-          <p:cNvSpPr>
-            <a:spLocks noGrp="1"/>
-          </p:cNvSpPr>
+      <p:pic>
+        <p:nvPicPr>
+          <p:cNvPr id="4" name="Объект 3">
+            <a:extLst>
+              <a:ext uri="{FF2B5EF4-FFF2-40B4-BE49-F238E27FC236}">
+                <a16:creationId xmlns:a16="http://schemas.microsoft.com/office/drawing/2014/main" id="{FDE6052B-80BD-43FD-817E-0F5723CD4AC8}"/>
+              </a:ext>
+            </a:extLst>
+          </p:cNvPr>
+          <p:cNvPicPr>
+            <a:picLocks noGrp="1" noChangeAspect="1"/>
+          </p:cNvPicPr>
           <p:nvPr>
             <p:ph idx="1"/>
           </p:nvPr>
-        </p:nvSpPr>
-        <p:spPr/>
-        <p:txBody>
-          <a:bodyPr/>
-          <a:lstStyle/>
-          <a:p>
-            <a:endParaRPr lang="ru-RU"/>
-          </a:p>
-        </p:txBody>
-      </p:sp>
+        </p:nvPicPr>
+        <p:blipFill>
+          <a:blip r:embed="rId2"/>
+          <a:stretch>
+            <a:fillRect/>
+          </a:stretch>
+        </p:blipFill>
+        <p:spPr>
+          <a:xfrm>
+            <a:off x="1416067" y="1365662"/>
+            <a:ext cx="9399927" cy="5248894"/>
+          </a:xfrm>
+          <a:prstGeom prst="rect">
+            <a:avLst/>
+          </a:prstGeom>
+        </p:spPr>
+      </p:pic>
     </p:spTree>
     <p:extLst>
       <p:ext uri="{BB962C8B-B14F-4D97-AF65-F5344CB8AC3E}">
-        <p14:creationId xmlns:p14="http://schemas.microsoft.com/office/powerpoint/2010/main" val="3882271461"/>
+        <p14:creationId xmlns:p14="http://schemas.microsoft.com/office/powerpoint/2010/main" val="1198774512"/>
       </p:ext>
     </p:extLst>
   </p:cSld>

--- a/Space Shooter.pptx
+++ b/Space Shooter.pptx
@@ -268,7 +268,7 @@
           <a:p>
             <a:fld id="{3D9CDB44-8561-4AAB-A543-A8438D6B4118}" type="datetimeFigureOut">
               <a:rPr lang="ru-RU" smtClean="0"/>
-              <a:t>пн 08.01.2024</a:t>
+              <a:t>сб 13.01.2024</a:t>
             </a:fld>
             <a:endParaRPr lang="ru-RU"/>
           </a:p>
@@ -466,7 +466,7 @@
           <a:p>
             <a:fld id="{3D9CDB44-8561-4AAB-A543-A8438D6B4118}" type="datetimeFigureOut">
               <a:rPr lang="ru-RU" smtClean="0"/>
-              <a:t>пн 08.01.2024</a:t>
+              <a:t>сб 13.01.2024</a:t>
             </a:fld>
             <a:endParaRPr lang="ru-RU"/>
           </a:p>
@@ -674,7 +674,7 @@
           <a:p>
             <a:fld id="{3D9CDB44-8561-4AAB-A543-A8438D6B4118}" type="datetimeFigureOut">
               <a:rPr lang="ru-RU" smtClean="0"/>
-              <a:t>пн 08.01.2024</a:t>
+              <a:t>сб 13.01.2024</a:t>
             </a:fld>
             <a:endParaRPr lang="ru-RU"/>
           </a:p>
@@ -872,7 +872,7 @@
           <a:p>
             <a:fld id="{3D9CDB44-8561-4AAB-A543-A8438D6B4118}" type="datetimeFigureOut">
               <a:rPr lang="ru-RU" smtClean="0"/>
-              <a:t>пн 08.01.2024</a:t>
+              <a:t>сб 13.01.2024</a:t>
             </a:fld>
             <a:endParaRPr lang="ru-RU"/>
           </a:p>
@@ -1147,7 +1147,7 @@
           <a:p>
             <a:fld id="{3D9CDB44-8561-4AAB-A543-A8438D6B4118}" type="datetimeFigureOut">
               <a:rPr lang="ru-RU" smtClean="0"/>
-              <a:t>пн 08.01.2024</a:t>
+              <a:t>сб 13.01.2024</a:t>
             </a:fld>
             <a:endParaRPr lang="ru-RU"/>
           </a:p>
@@ -1412,7 +1412,7 @@
           <a:p>
             <a:fld id="{3D9CDB44-8561-4AAB-A543-A8438D6B4118}" type="datetimeFigureOut">
               <a:rPr lang="ru-RU" smtClean="0"/>
-              <a:t>пн 08.01.2024</a:t>
+              <a:t>сб 13.01.2024</a:t>
             </a:fld>
             <a:endParaRPr lang="ru-RU"/>
           </a:p>
@@ -1824,7 +1824,7 @@
           <a:p>
             <a:fld id="{3D9CDB44-8561-4AAB-A543-A8438D6B4118}" type="datetimeFigureOut">
               <a:rPr lang="ru-RU" smtClean="0"/>
-              <a:t>пн 08.01.2024</a:t>
+              <a:t>сб 13.01.2024</a:t>
             </a:fld>
             <a:endParaRPr lang="ru-RU"/>
           </a:p>
@@ -1965,7 +1965,7 @@
           <a:p>
             <a:fld id="{3D9CDB44-8561-4AAB-A543-A8438D6B4118}" type="datetimeFigureOut">
               <a:rPr lang="ru-RU" smtClean="0"/>
-              <a:t>пн 08.01.2024</a:t>
+              <a:t>сб 13.01.2024</a:t>
             </a:fld>
             <a:endParaRPr lang="ru-RU"/>
           </a:p>
@@ -2078,7 +2078,7 @@
           <a:p>
             <a:fld id="{3D9CDB44-8561-4AAB-A543-A8438D6B4118}" type="datetimeFigureOut">
               <a:rPr lang="ru-RU" smtClean="0"/>
-              <a:t>пн 08.01.2024</a:t>
+              <a:t>сб 13.01.2024</a:t>
             </a:fld>
             <a:endParaRPr lang="ru-RU"/>
           </a:p>
@@ -2389,7 +2389,7 @@
           <a:p>
             <a:fld id="{3D9CDB44-8561-4AAB-A543-A8438D6B4118}" type="datetimeFigureOut">
               <a:rPr lang="ru-RU" smtClean="0"/>
-              <a:t>пн 08.01.2024</a:t>
+              <a:t>сб 13.01.2024</a:t>
             </a:fld>
             <a:endParaRPr lang="ru-RU"/>
           </a:p>
@@ -2677,7 +2677,7 @@
           <a:p>
             <a:fld id="{3D9CDB44-8561-4AAB-A543-A8438D6B4118}" type="datetimeFigureOut">
               <a:rPr lang="ru-RU" smtClean="0"/>
-              <a:t>пн 08.01.2024</a:t>
+              <a:t>сб 13.01.2024</a:t>
             </a:fld>
             <a:endParaRPr lang="ru-RU"/>
           </a:p>
@@ -2918,7 +2918,7 @@
           <a:p>
             <a:fld id="{3D9CDB44-8561-4AAB-A543-A8438D6B4118}" type="datetimeFigureOut">
               <a:rPr lang="ru-RU" smtClean="0"/>
-              <a:t>пн 08.01.2024</a:t>
+              <a:t>сб 13.01.2024</a:t>
             </a:fld>
             <a:endParaRPr lang="ru-RU"/>
           </a:p>
@@ -3882,31 +3882,35 @@
           </a:p>
         </p:txBody>
       </p:sp>
-      <p:sp>
-        <p:nvSpPr>
-          <p:cNvPr id="3" name="Объект 2">
-            <a:extLst>
-              <a:ext uri="{FF2B5EF4-FFF2-40B4-BE49-F238E27FC236}">
-                <a16:creationId xmlns:a16="http://schemas.microsoft.com/office/drawing/2014/main" id="{42D060B1-69FD-4E86-B57C-57A7B54C4281}"/>
-              </a:ext>
-            </a:extLst>
-          </p:cNvPr>
-          <p:cNvSpPr>
-            <a:spLocks noGrp="1"/>
-          </p:cNvSpPr>
+      <p:pic>
+        <p:nvPicPr>
+          <p:cNvPr id="5" name="Объект 4">
+            <a:extLst>
+              <a:ext uri="{FF2B5EF4-FFF2-40B4-BE49-F238E27FC236}">
+                <a16:creationId xmlns:a16="http://schemas.microsoft.com/office/drawing/2014/main" id="{B423BCE2-62B6-4A88-8801-2D8BAB87DA01}"/>
+              </a:ext>
+            </a:extLst>
+          </p:cNvPr>
+          <p:cNvPicPr>
+            <a:picLocks noGrp="1" noChangeAspect="1"/>
+          </p:cNvPicPr>
           <p:nvPr>
             <p:ph idx="1"/>
           </p:nvPr>
-        </p:nvSpPr>
-        <p:spPr/>
-        <p:txBody>
-          <a:bodyPr/>
-          <a:lstStyle/>
-          <a:p>
-            <a:endParaRPr lang="ru-RU"/>
-          </a:p>
-        </p:txBody>
-      </p:sp>
+        </p:nvPicPr>
+        <p:blipFill>
+          <a:blip r:embed="rId2"/>
+          <a:stretch>
+            <a:fillRect/>
+          </a:stretch>
+        </p:blipFill>
+        <p:spPr>
+          <a:xfrm>
+            <a:off x="838200" y="1528935"/>
+            <a:ext cx="9886950" cy="2400300"/>
+          </a:xfrm>
+        </p:spPr>
+      </p:pic>
     </p:spTree>
     <p:extLst>
       <p:ext uri="{BB962C8B-B14F-4D97-AF65-F5344CB8AC3E}">
@@ -3976,19 +3980,17 @@
       </p:sp>
       <p:pic>
         <p:nvPicPr>
-          <p:cNvPr id="4" name="Объект 3">
-            <a:extLst>
-              <a:ext uri="{FF2B5EF4-FFF2-40B4-BE49-F238E27FC236}">
-                <a16:creationId xmlns:a16="http://schemas.microsoft.com/office/drawing/2014/main" id="{7B0B2196-5037-4DF5-B910-FFFEE78D23BA}"/>
+          <p:cNvPr id="5" name="Рисунок 4">
+            <a:extLst>
+              <a:ext uri="{FF2B5EF4-FFF2-40B4-BE49-F238E27FC236}">
+                <a16:creationId xmlns:a16="http://schemas.microsoft.com/office/drawing/2014/main" id="{217F5D57-6CC3-4753-8FE8-4A64E140C28A}"/>
               </a:ext>
             </a:extLst>
           </p:cNvPr>
           <p:cNvPicPr>
-            <a:picLocks noGrp="1" noChangeAspect="1"/>
+            <a:picLocks noChangeAspect="1"/>
           </p:cNvPicPr>
-          <p:nvPr>
-            <p:ph idx="1"/>
-          </p:nvPr>
+          <p:nvPr/>
         </p:nvPicPr>
         <p:blipFill>
           <a:blip r:embed="rId2"/>
@@ -3998,8 +4000,8 @@
         </p:blipFill>
         <p:spPr>
           <a:xfrm>
-            <a:off x="3562461" y="-22816"/>
-            <a:ext cx="8629539" cy="6903632"/>
+            <a:off x="2943390" y="1656522"/>
+            <a:ext cx="9248610" cy="5199804"/>
           </a:xfrm>
           <a:prstGeom prst="rect">
             <a:avLst/>
@@ -4055,7 +4057,7 @@
         <p:spPr>
           <a:xfrm>
             <a:off x="320634" y="365125"/>
-            <a:ext cx="2921330" cy="4598761"/>
+            <a:ext cx="9578740" cy="999849"/>
           </a:xfrm>
         </p:spPr>
         <p:txBody>
@@ -4075,19 +4077,17 @@
       </p:sp>
       <p:pic>
         <p:nvPicPr>
-          <p:cNvPr id="4" name="Объект 3">
-            <a:extLst>
-              <a:ext uri="{FF2B5EF4-FFF2-40B4-BE49-F238E27FC236}">
-                <a16:creationId xmlns:a16="http://schemas.microsoft.com/office/drawing/2014/main" id="{E57E498B-3F06-49E2-820A-1A1EC75E4C77}"/>
+          <p:cNvPr id="5" name="Рисунок 4">
+            <a:extLst>
+              <a:ext uri="{FF2B5EF4-FFF2-40B4-BE49-F238E27FC236}">
+                <a16:creationId xmlns:a16="http://schemas.microsoft.com/office/drawing/2014/main" id="{03DCC8F2-902E-4371-B29A-493E8635EE13}"/>
               </a:ext>
             </a:extLst>
           </p:cNvPr>
           <p:cNvPicPr>
-            <a:picLocks noGrp="1" noChangeAspect="1"/>
+            <a:picLocks noChangeAspect="1"/>
           </p:cNvPicPr>
-          <p:nvPr>
-            <p:ph idx="1"/>
-          </p:nvPr>
+          <p:nvPr/>
         </p:nvPicPr>
         <p:blipFill>
           <a:blip r:embed="rId2"/>
@@ -4097,8 +4097,8 @@
         </p:blipFill>
         <p:spPr>
           <a:xfrm>
-            <a:off x="3557317" y="0"/>
-            <a:ext cx="8634683" cy="6907747"/>
+            <a:off x="1775791" y="1515801"/>
+            <a:ext cx="8852452" cy="4977074"/>
           </a:xfrm>
           <a:prstGeom prst="rect">
             <a:avLst/>
